--- a/016 - DFD Essencial para cada Capacidade.pptx
+++ b/016 - DFD Essencial para cada Capacidade.pptx
@@ -262,7 +262,7 @@
           <a:p>
             <a:fld id="{1661555A-2ED3-4F3E-B248-8BB5C2E0FB37}" type="datetimeFigureOut">
               <a:rPr lang="pt-BR" smtClean="0"/>
-              <a:t>16/10/2020</a:t>
+              <a:t>09/11/2020</a:t>
             </a:fld>
             <a:endParaRPr lang="pt-BR"/>
           </a:p>
@@ -460,7 +460,7 @@
           <a:p>
             <a:fld id="{1661555A-2ED3-4F3E-B248-8BB5C2E0FB37}" type="datetimeFigureOut">
               <a:rPr lang="pt-BR" smtClean="0"/>
-              <a:t>16/10/2020</a:t>
+              <a:t>09/11/2020</a:t>
             </a:fld>
             <a:endParaRPr lang="pt-BR"/>
           </a:p>
@@ -668,7 +668,7 @@
           <a:p>
             <a:fld id="{1661555A-2ED3-4F3E-B248-8BB5C2E0FB37}" type="datetimeFigureOut">
               <a:rPr lang="pt-BR" smtClean="0"/>
-              <a:t>16/10/2020</a:t>
+              <a:t>09/11/2020</a:t>
             </a:fld>
             <a:endParaRPr lang="pt-BR"/>
           </a:p>
@@ -866,7 +866,7 @@
           <a:p>
             <a:fld id="{1661555A-2ED3-4F3E-B248-8BB5C2E0FB37}" type="datetimeFigureOut">
               <a:rPr lang="pt-BR" smtClean="0"/>
-              <a:t>16/10/2020</a:t>
+              <a:t>09/11/2020</a:t>
             </a:fld>
             <a:endParaRPr lang="pt-BR"/>
           </a:p>
@@ -1141,7 +1141,7 @@
           <a:p>
             <a:fld id="{1661555A-2ED3-4F3E-B248-8BB5C2E0FB37}" type="datetimeFigureOut">
               <a:rPr lang="pt-BR" smtClean="0"/>
-              <a:t>16/10/2020</a:t>
+              <a:t>09/11/2020</a:t>
             </a:fld>
             <a:endParaRPr lang="pt-BR"/>
           </a:p>
@@ -1406,7 +1406,7 @@
           <a:p>
             <a:fld id="{1661555A-2ED3-4F3E-B248-8BB5C2E0FB37}" type="datetimeFigureOut">
               <a:rPr lang="pt-BR" smtClean="0"/>
-              <a:t>16/10/2020</a:t>
+              <a:t>09/11/2020</a:t>
             </a:fld>
             <a:endParaRPr lang="pt-BR"/>
           </a:p>
@@ -1818,7 +1818,7 @@
           <a:p>
             <a:fld id="{1661555A-2ED3-4F3E-B248-8BB5C2E0FB37}" type="datetimeFigureOut">
               <a:rPr lang="pt-BR" smtClean="0"/>
-              <a:t>16/10/2020</a:t>
+              <a:t>09/11/2020</a:t>
             </a:fld>
             <a:endParaRPr lang="pt-BR"/>
           </a:p>
@@ -1959,7 +1959,7 @@
           <a:p>
             <a:fld id="{1661555A-2ED3-4F3E-B248-8BB5C2E0FB37}" type="datetimeFigureOut">
               <a:rPr lang="pt-BR" smtClean="0"/>
-              <a:t>16/10/2020</a:t>
+              <a:t>09/11/2020</a:t>
             </a:fld>
             <a:endParaRPr lang="pt-BR"/>
           </a:p>
@@ -2072,7 +2072,7 @@
           <a:p>
             <a:fld id="{1661555A-2ED3-4F3E-B248-8BB5C2E0FB37}" type="datetimeFigureOut">
               <a:rPr lang="pt-BR" smtClean="0"/>
-              <a:t>16/10/2020</a:t>
+              <a:t>09/11/2020</a:t>
             </a:fld>
             <a:endParaRPr lang="pt-BR"/>
           </a:p>
@@ -2383,7 +2383,7 @@
           <a:p>
             <a:fld id="{1661555A-2ED3-4F3E-B248-8BB5C2E0FB37}" type="datetimeFigureOut">
               <a:rPr lang="pt-BR" smtClean="0"/>
-              <a:t>16/10/2020</a:t>
+              <a:t>09/11/2020</a:t>
             </a:fld>
             <a:endParaRPr lang="pt-BR"/>
           </a:p>
@@ -2671,7 +2671,7 @@
           <a:p>
             <a:fld id="{1661555A-2ED3-4F3E-B248-8BB5C2E0FB37}" type="datetimeFigureOut">
               <a:rPr lang="pt-BR" smtClean="0"/>
-              <a:t>16/10/2020</a:t>
+              <a:t>09/11/2020</a:t>
             </a:fld>
             <a:endParaRPr lang="pt-BR"/>
           </a:p>
@@ -2912,7 +2912,7 @@
           <a:p>
             <a:fld id="{1661555A-2ED3-4F3E-B248-8BB5C2E0FB37}" type="datetimeFigureOut">
               <a:rPr lang="pt-BR" smtClean="0"/>
-              <a:t>16/10/2020</a:t>
+              <a:t>09/11/2020</a:t>
             </a:fld>
             <a:endParaRPr lang="pt-BR"/>
           </a:p>
@@ -3484,8 +3484,38 @@
         </p:blipFill>
         <p:spPr>
           <a:xfrm>
-            <a:off x="2556741" y="1039569"/>
+            <a:off x="0" y="1039569"/>
             <a:ext cx="11178309" cy="5415783"/>
+          </a:xfrm>
+          <a:prstGeom prst="rect">
+            <a:avLst/>
+          </a:prstGeom>
+        </p:spPr>
+      </p:pic>
+      <p:pic>
+        <p:nvPicPr>
+          <p:cNvPr id="3" name="Imagem 2">
+            <a:extLst>
+              <a:ext uri="{FF2B5EF4-FFF2-40B4-BE49-F238E27FC236}">
+                <a16:creationId xmlns:a16="http://schemas.microsoft.com/office/drawing/2014/main" id="{17C6472B-3BF4-4019-9800-EDE5DA4C4CCD}"/>
+              </a:ext>
+            </a:extLst>
+          </p:cNvPr>
+          <p:cNvPicPr>
+            <a:picLocks noChangeAspect="1"/>
+          </p:cNvPicPr>
+          <p:nvPr/>
+        </p:nvPicPr>
+        <p:blipFill>
+          <a:blip r:embed="rId3"/>
+          <a:stretch>
+            <a:fillRect/>
+          </a:stretch>
+        </p:blipFill>
+        <p:spPr>
+          <a:xfrm>
+            <a:off x="1735363" y="4641055"/>
+            <a:ext cx="138794" cy="121445"/>
           </a:xfrm>
           <a:prstGeom prst="rect">
             <a:avLst/>
@@ -3559,10 +3589,10 @@
       </p:sp>
       <p:pic>
         <p:nvPicPr>
-          <p:cNvPr id="5" name="Espaço Reservado para Conteúdo 4">
-            <a:extLst>
-              <a:ext uri="{FF2B5EF4-FFF2-40B4-BE49-F238E27FC236}">
-                <a16:creationId xmlns:a16="http://schemas.microsoft.com/office/drawing/2014/main" id="{B5705385-AFC8-4A4D-BB28-DBB1D9EFD2B8}"/>
+          <p:cNvPr id="9" name="Espaço Reservado para Conteúdo 8">
+            <a:extLst>
+              <a:ext uri="{FF2B5EF4-FFF2-40B4-BE49-F238E27FC236}">
+                <a16:creationId xmlns:a16="http://schemas.microsoft.com/office/drawing/2014/main" id="{0CE14238-8F0D-4CA2-AB85-2BBB72B5021C}"/>
               </a:ext>
             </a:extLst>
           </p:cNvPr>
@@ -3581,8 +3611,8 @@
         </p:blipFill>
         <p:spPr>
           <a:xfrm>
-            <a:off x="590551" y="873417"/>
-            <a:ext cx="6701120" cy="5436896"/>
+            <a:off x="242166" y="1077119"/>
+            <a:ext cx="6501534" cy="5004696"/>
           </a:xfrm>
           <a:prstGeom prst="rect">
             <a:avLst/>
@@ -3656,10 +3686,10 @@
       </p:sp>
       <p:pic>
         <p:nvPicPr>
-          <p:cNvPr id="11" name="Espaço Reservado para Conteúdo 10">
-            <a:extLst>
-              <a:ext uri="{FF2B5EF4-FFF2-40B4-BE49-F238E27FC236}">
-                <a16:creationId xmlns:a16="http://schemas.microsoft.com/office/drawing/2014/main" id="{DF87509E-1B61-42C8-97CE-9FE2304E0394}"/>
+          <p:cNvPr id="6" name="Espaço Reservado para Conteúdo 5">
+            <a:extLst>
+              <a:ext uri="{FF2B5EF4-FFF2-40B4-BE49-F238E27FC236}">
+                <a16:creationId xmlns:a16="http://schemas.microsoft.com/office/drawing/2014/main" id="{CB7613C2-62FB-4ED5-B894-4B2D2CC2BDFB}"/>
               </a:ext>
             </a:extLst>
           </p:cNvPr>
@@ -3678,8 +3708,8 @@
         </p:blipFill>
         <p:spPr>
           <a:xfrm>
-            <a:off x="495301" y="661057"/>
-            <a:ext cx="6716276" cy="5535886"/>
+            <a:off x="261257" y="738911"/>
+            <a:ext cx="8948208" cy="5616685"/>
           </a:xfrm>
           <a:prstGeom prst="rect">
             <a:avLst/>
